--- a/karacsony/Karácsonyi Honlap Projekt.pptx
+++ b/karacsony/Karácsonyi Honlap Projekt.pptx
@@ -10,8 +10,10 @@
     <p:sldId id="258" r:id="rId4"/>
     <p:sldId id="259" r:id="rId5"/>
     <p:sldId id="260" r:id="rId6"/>
-    <p:sldId id="261" r:id="rId7"/>
-    <p:sldId id="262" r:id="rId8"/>
+    <p:sldId id="265" r:id="rId7"/>
+    <p:sldId id="261" r:id="rId8"/>
+    <p:sldId id="262" r:id="rId9"/>
+    <p:sldId id="264" r:id="rId10"/>
   </p:sldIdLst>
   <p:sldSz cx="12192000" cy="6858000"/>
   <p:notesSz cx="6858000" cy="9144000"/>
@@ -110,6 +112,11 @@
       </a:defRPr>
     </a:lvl9pPr>
   </p:defaultTextStyle>
+  <p:extLst>
+    <p:ext uri="{EFAFB233-063F-42B5-8137-9DF3F51BA10A}">
+      <p15:sldGuideLst xmlns:p15="http://schemas.microsoft.com/office/powerpoint/2012/main"/>
+    </p:ext>
+  </p:extLst>
 </p:presentation>
 </file>
 
@@ -448,7 +455,7 @@
           <a:p>
             <a:fld id="{EBE8B6E5-11C9-42FC-BED1-44CDB5B0036D}" type="datetimeFigureOut">
               <a:rPr lang="hu-HU" smtClean="0"/>
-              <a:t>2024. 12. 05.</a:t>
+              <a:t>2024. 12. 07.</a:t>
             </a:fld>
             <a:endParaRPr lang="hu-HU"/>
           </a:p>
@@ -1536,7 +1543,7 @@
           <a:p>
             <a:fld id="{EBE8B6E5-11C9-42FC-BED1-44CDB5B0036D}" type="datetimeFigureOut">
               <a:rPr lang="hu-HU" smtClean="0"/>
-              <a:t>2024. 12. 05.</a:t>
+              <a:t>2024. 12. 07.</a:t>
             </a:fld>
             <a:endParaRPr lang="hu-HU"/>
           </a:p>
@@ -2516,7 +2523,7 @@
           <a:p>
             <a:fld id="{EBE8B6E5-11C9-42FC-BED1-44CDB5B0036D}" type="datetimeFigureOut">
               <a:rPr lang="hu-HU" smtClean="0"/>
-              <a:t>2024. 12. 05.</a:t>
+              <a:t>2024. 12. 07.</a:t>
             </a:fld>
             <a:endParaRPr lang="hu-HU"/>
           </a:p>
@@ -3650,7 +3657,7 @@
           <a:p>
             <a:fld id="{EBE8B6E5-11C9-42FC-BED1-44CDB5B0036D}" type="datetimeFigureOut">
               <a:rPr lang="hu-HU" smtClean="0"/>
-              <a:t>2024. 12. 05.</a:t>
+              <a:t>2024. 12. 07.</a:t>
             </a:fld>
             <a:endParaRPr lang="hu-HU"/>
           </a:p>
@@ -4683,7 +4690,7 @@
           <a:p>
             <a:fld id="{EBE8B6E5-11C9-42FC-BED1-44CDB5B0036D}" type="datetimeFigureOut">
               <a:rPr lang="hu-HU" smtClean="0"/>
-              <a:t>2024. 12. 05.</a:t>
+              <a:t>2024. 12. 07.</a:t>
             </a:fld>
             <a:endParaRPr lang="hu-HU"/>
           </a:p>
@@ -5343,7 +5350,7 @@
           <a:p>
             <a:fld id="{EBE8B6E5-11C9-42FC-BED1-44CDB5B0036D}" type="datetimeFigureOut">
               <a:rPr lang="hu-HU" smtClean="0"/>
-              <a:t>2024. 12. 05.</a:t>
+              <a:t>2024. 12. 07.</a:t>
             </a:fld>
             <a:endParaRPr lang="hu-HU"/>
           </a:p>
@@ -6204,7 +6211,7 @@
           <a:p>
             <a:fld id="{EBE8B6E5-11C9-42FC-BED1-44CDB5B0036D}" type="datetimeFigureOut">
               <a:rPr lang="hu-HU" smtClean="0"/>
-              <a:t>2024. 12. 05.</a:t>
+              <a:t>2024. 12. 07.</a:t>
             </a:fld>
             <a:endParaRPr lang="hu-HU"/>
           </a:p>
@@ -6394,7 +6401,7 @@
           <a:p>
             <a:fld id="{EBE8B6E5-11C9-42FC-BED1-44CDB5B0036D}" type="datetimeFigureOut">
               <a:rPr lang="hu-HU" smtClean="0"/>
-              <a:t>2024. 12. 05.</a:t>
+              <a:t>2024. 12. 07.</a:t>
             </a:fld>
             <a:endParaRPr lang="hu-HU"/>
           </a:p>
@@ -7366,7 +7373,7 @@
           <a:p>
             <a:fld id="{EBE8B6E5-11C9-42FC-BED1-44CDB5B0036D}" type="datetimeFigureOut">
               <a:rPr lang="hu-HU" smtClean="0"/>
-              <a:t>2024. 12. 05.</a:t>
+              <a:t>2024. 12. 07.</a:t>
             </a:fld>
             <a:endParaRPr lang="hu-HU"/>
           </a:p>
@@ -7577,7 +7584,7 @@
           <a:p>
             <a:fld id="{EBE8B6E5-11C9-42FC-BED1-44CDB5B0036D}" type="datetimeFigureOut">
               <a:rPr lang="hu-HU" smtClean="0"/>
-              <a:t>2024. 12. 05.</a:t>
+              <a:t>2024. 12. 07.</a:t>
             </a:fld>
             <a:endParaRPr lang="hu-HU"/>
           </a:p>
@@ -8611,7 +8618,7 @@
           <a:p>
             <a:fld id="{EBE8B6E5-11C9-42FC-BED1-44CDB5B0036D}" type="datetimeFigureOut">
               <a:rPr lang="hu-HU" smtClean="0"/>
-              <a:t>2024. 12. 05.</a:t>
+              <a:t>2024. 12. 07.</a:t>
             </a:fld>
             <a:endParaRPr lang="hu-HU"/>
           </a:p>
@@ -8883,7 +8890,7 @@
           <a:p>
             <a:fld id="{EBE8B6E5-11C9-42FC-BED1-44CDB5B0036D}" type="datetimeFigureOut">
               <a:rPr lang="hu-HU" smtClean="0"/>
-              <a:t>2024. 12. 05.</a:t>
+              <a:t>2024. 12. 07.</a:t>
             </a:fld>
             <a:endParaRPr lang="hu-HU"/>
           </a:p>
@@ -9293,7 +9300,7 @@
           <a:p>
             <a:fld id="{EBE8B6E5-11C9-42FC-BED1-44CDB5B0036D}" type="datetimeFigureOut">
               <a:rPr lang="hu-HU" smtClean="0"/>
-              <a:t>2024. 12. 05.</a:t>
+              <a:t>2024. 12. 07.</a:t>
             </a:fld>
             <a:endParaRPr lang="hu-HU"/>
           </a:p>
@@ -9420,7 +9427,7 @@
           <a:p>
             <a:fld id="{EBE8B6E5-11C9-42FC-BED1-44CDB5B0036D}" type="datetimeFigureOut">
               <a:rPr lang="hu-HU" smtClean="0"/>
-              <a:t>2024. 12. 05.</a:t>
+              <a:t>2024. 12. 07.</a:t>
             </a:fld>
             <a:endParaRPr lang="hu-HU"/>
           </a:p>
@@ -9515,7 +9522,7 @@
           <a:p>
             <a:fld id="{EBE8B6E5-11C9-42FC-BED1-44CDB5B0036D}" type="datetimeFigureOut">
               <a:rPr lang="hu-HU" smtClean="0"/>
-              <a:t>2024. 12. 05.</a:t>
+              <a:t>2024. 12. 07.</a:t>
             </a:fld>
             <a:endParaRPr lang="hu-HU"/>
           </a:p>
@@ -10596,7 +10603,7 @@
           <a:p>
             <a:fld id="{EBE8B6E5-11C9-42FC-BED1-44CDB5B0036D}" type="datetimeFigureOut">
               <a:rPr lang="hu-HU" smtClean="0"/>
-              <a:t>2024. 12. 05.</a:t>
+              <a:t>2024. 12. 07.</a:t>
             </a:fld>
             <a:endParaRPr lang="hu-HU"/>
           </a:p>
@@ -11704,7 +11711,7 @@
           <a:p>
             <a:fld id="{EBE8B6E5-11C9-42FC-BED1-44CDB5B0036D}" type="datetimeFigureOut">
               <a:rPr lang="hu-HU" smtClean="0"/>
-              <a:t>2024. 12. 05.</a:t>
+              <a:t>2024. 12. 07.</a:t>
             </a:fld>
             <a:endParaRPr lang="hu-HU"/>
           </a:p>
@@ -12701,7 +12708,7 @@
           <a:p>
             <a:fld id="{EBE8B6E5-11C9-42FC-BED1-44CDB5B0036D}" type="datetimeFigureOut">
               <a:rPr lang="hu-HU" smtClean="0"/>
-              <a:t>2024. 12. 05.</a:t>
+              <a:t>2024. 12. 07.</a:t>
             </a:fld>
             <a:endParaRPr lang="hu-HU"/>
           </a:p>
@@ -13286,16 +13293,19 @@
         </p:nvSpPr>
         <p:spPr>
           <a:xfrm>
-            <a:off x="1683171" y="1861194"/>
-            <a:ext cx="8825658" cy="2677648"/>
+            <a:off x="1585113" y="2090176"/>
+            <a:ext cx="9021774" cy="2677648"/>
           </a:xfrm>
         </p:spPr>
         <p:txBody>
           <a:bodyPr anchor="ctr"/>
           <a:lstStyle/>
           <a:p>
-            <a:r>
-              <a:rPr lang="hu-HU" dirty="0"/>
+            <a:pPr algn="ctr"/>
+            <a:r>
+              <a:rPr lang="hu-HU" dirty="0">
+                <a:latin typeface="Bernard MT Condensed" panose="02050806060905020404" pitchFamily="18" charset="0"/>
+              </a:rPr>
               <a:t>Karácsonyi Honlap Projekt</a:t>
             </a:r>
           </a:p>
@@ -13329,7 +13339,9 @@
           <a:p>
             <a:pPr algn="r"/>
             <a:r>
-              <a:rPr lang="hu-HU" dirty="0"/>
+              <a:rPr lang="hu-HU" dirty="0">
+                <a:latin typeface="Bernard MT Condensed" panose="02050806060905020404" pitchFamily="18" charset="0"/>
+              </a:rPr>
               <a:t>Szekta tagok: Császár Róbert, Grósz Patrik, Sánta Vivien</a:t>
             </a:r>
           </a:p>
@@ -13401,6 +13413,7 @@
                 <a:solidFill>
                   <a:schemeClr val="bg1"/>
                 </a:solidFill>
+                <a:latin typeface="Bernard MT Condensed" panose="02050806060905020404" pitchFamily="18" charset="0"/>
               </a:rPr>
               <a:t>A honlap címe: A Mi Karácsonyunk</a:t>
             </a:r>
@@ -13439,25 +13452,33 @@
               <a:buNone/>
             </a:pPr>
             <a:r>
-              <a:rPr lang="hu-HU" sz="2400" dirty="0"/>
+              <a:rPr lang="hu-HU" sz="2400" dirty="0">
+                <a:latin typeface="Bodoni MT" panose="02070603080606020203" pitchFamily="18" charset="0"/>
+              </a:rPr>
               <a:t>Téma:</a:t>
             </a:r>
           </a:p>
           <a:p>
             <a:r>
-              <a:rPr lang="hu-HU" sz="2400" dirty="0"/>
+              <a:rPr lang="hu-HU" sz="2400" dirty="0">
+                <a:latin typeface="Bodoni MT" panose="02070603080606020203" pitchFamily="18" charset="0"/>
+              </a:rPr>
               <a:t>A karácsony története</a:t>
             </a:r>
           </a:p>
           <a:p>
             <a:r>
-              <a:rPr lang="hu-HU" sz="2400" dirty="0"/>
+              <a:rPr lang="hu-HU" sz="2400" dirty="0">
+                <a:latin typeface="Bodoni MT" panose="02070603080606020203" pitchFamily="18" charset="0"/>
+              </a:rPr>
               <a:t>Receptek</a:t>
             </a:r>
           </a:p>
           <a:p>
             <a:r>
-              <a:rPr lang="hu-HU" sz="2400" dirty="0"/>
+              <a:rPr lang="hu-HU" sz="2400" dirty="0">
+                <a:latin typeface="Bodoni MT" panose="02070603080606020203" pitchFamily="18" charset="0"/>
+              </a:rPr>
               <a:t>Karácsonyi filmes utalások(vagy valami hasonló)</a:t>
             </a:r>
           </a:p>
@@ -13466,7 +13487,9 @@
               <a:buNone/>
             </a:pPr>
             <a:r>
-              <a:rPr lang="hu-HU" sz="2400" dirty="0"/>
+              <a:rPr lang="hu-HU" sz="2400" dirty="0">
+                <a:latin typeface="Bodoni MT" panose="02070603080606020203" pitchFamily="18" charset="0"/>
+              </a:rPr>
               <a:t>Több témát választottunk mert nem szerettünk volna egy témához ragaszkodni.</a:t>
             </a:r>
           </a:p>
@@ -13507,22 +13530,30 @@
           <a:lstStyle/>
           <a:p>
             <a:r>
-              <a:rPr lang="hu-HU" sz="2400" dirty="0"/>
+              <a:rPr lang="hu-HU" sz="2400" dirty="0">
+                <a:latin typeface="Bodoni MT" panose="02070603080606020203" pitchFamily="18" charset="0"/>
+              </a:rPr>
               <a:t>Célja:</a:t>
             </a:r>
           </a:p>
           <a:p>
             <a:r>
-              <a:rPr lang="hu-HU" sz="2400" dirty="0"/>
+              <a:rPr lang="hu-HU" sz="2400" dirty="0">
+                <a:latin typeface="Bodoni MT" panose="02070603080606020203" pitchFamily="18" charset="0"/>
+              </a:rPr>
               <a:t>Hogy egy helyen megtalálható legyen a legtöbb karácsonnyal kapcsolatos dolog.</a:t>
             </a:r>
           </a:p>
           <a:p>
-            <a:endParaRPr lang="hu-HU" sz="2400" dirty="0"/>
-          </a:p>
-          <a:p>
-            <a:r>
-              <a:rPr lang="hu-HU" sz="2400" dirty="0"/>
+            <a:endParaRPr lang="hu-HU" sz="2400" dirty="0">
+              <a:latin typeface="Bodoni MT" panose="02070603080606020203" pitchFamily="18" charset="0"/>
+            </a:endParaRPr>
+          </a:p>
+          <a:p>
+            <a:r>
+              <a:rPr lang="hu-HU" sz="2400" dirty="0">
+                <a:latin typeface="Bodoni MT" panose="02070603080606020203" pitchFamily="18" charset="0"/>
+              </a:rPr>
               <a:t>Az oldalt bárki könnyen használhatja majd az egyszerű elrendezés és családbarát tartalom miatt.</a:t>
             </a:r>
           </a:p>
@@ -13611,50 +13642,80 @@
               <a:buNone/>
             </a:pPr>
             <a:r>
-              <a:rPr lang="hu-HU" sz="2400" dirty="0"/>
+              <a:rPr lang="hu-HU" sz="2400" dirty="0">
+                <a:latin typeface="Bodoni MT" panose="02070603080606020203" pitchFamily="18" charset="0"/>
+              </a:rPr>
               <a:t>Főoldal:</a:t>
             </a:r>
           </a:p>
           <a:p>
             <a:r>
-              <a:rPr lang="hu-HU" sz="2400" dirty="0"/>
+              <a:rPr lang="hu-HU" sz="2400" dirty="0">
+                <a:latin typeface="Bodoni MT" panose="02070603080606020203" pitchFamily="18" charset="0"/>
+              </a:rPr>
               <a:t>Egyszerű felépítése lesz</a:t>
             </a:r>
           </a:p>
           <a:p>
             <a:r>
-              <a:rPr lang="hu-HU" sz="2400" dirty="0"/>
+              <a:rPr lang="hu-HU" sz="2400" dirty="0">
+                <a:latin typeface="Bodoni MT" panose="02070603080606020203" pitchFamily="18" charset="0"/>
+              </a:rPr>
               <a:t>Használva lesz: </a:t>
             </a:r>
             <a:r>
-              <a:rPr lang="hu-HU" sz="2400" dirty="0" err="1"/>
+              <a:rPr lang="hu-HU" sz="2400" dirty="0" err="1">
+                <a:latin typeface="Bodoni MT" panose="02070603080606020203" pitchFamily="18" charset="0"/>
+              </a:rPr>
               <a:t>css</a:t>
             </a:r>
             <a:r>
-              <a:rPr lang="hu-HU" sz="2400" dirty="0"/>
+              <a:rPr lang="hu-HU" sz="2400" dirty="0">
+                <a:latin typeface="Bodoni MT" panose="02070603080606020203" pitchFamily="18" charset="0"/>
+              </a:rPr>
               <a:t>, </a:t>
             </a:r>
             <a:r>
-              <a:rPr lang="hu-HU" sz="2400" dirty="0" err="1"/>
+              <a:rPr lang="hu-HU" sz="2400" dirty="0" err="1">
+                <a:latin typeface="Bodoni MT" panose="02070603080606020203" pitchFamily="18" charset="0"/>
+              </a:rPr>
               <a:t>html</a:t>
             </a:r>
             <a:r>
-              <a:rPr lang="hu-HU" sz="2400" dirty="0"/>
+              <a:rPr lang="hu-HU" sz="2400" dirty="0">
+                <a:latin typeface="Bodoni MT" panose="02070603080606020203" pitchFamily="18" charset="0"/>
+              </a:rPr>
               <a:t>, </a:t>
             </a:r>
             <a:r>
-              <a:rPr lang="hu-HU" sz="2400" dirty="0" err="1"/>
+              <a:rPr lang="hu-HU" sz="2400" dirty="0" err="1">
+                <a:latin typeface="Bodoni MT" panose="02070603080606020203" pitchFamily="18" charset="0"/>
+              </a:rPr>
               <a:t>js</a:t>
             </a:r>
             <a:r>
-              <a:rPr lang="hu-HU" sz="2400" dirty="0"/>
+              <a:rPr lang="hu-HU" sz="2400" dirty="0">
+                <a:latin typeface="Bodoni MT" panose="02070603080606020203" pitchFamily="18" charset="0"/>
+              </a:rPr>
               <a:t>, </a:t>
             </a:r>
             <a:r>
-              <a:rPr lang="hu-HU" sz="2400" dirty="0" err="1"/>
+              <a:rPr lang="hu-HU" sz="2400" dirty="0" err="1">
+                <a:latin typeface="Bodoni MT" panose="02070603080606020203" pitchFamily="18" charset="0"/>
+              </a:rPr>
               <a:t>bootstrap</a:t>
             </a:r>
-            <a:endParaRPr lang="hu-HU" sz="2400" dirty="0"/>
+            <a:endParaRPr lang="hu-HU" sz="2400" dirty="0">
+              <a:latin typeface="Bodoni MT" panose="02070603080606020203" pitchFamily="18" charset="0"/>
+            </a:endParaRPr>
+          </a:p>
+          <a:p>
+            <a:r>
+              <a:rPr lang="hu-HU" sz="2400" dirty="0">
+                <a:latin typeface="Bodoni MT" panose="02070603080606020203" pitchFamily="18" charset="0"/>
+              </a:rPr>
+              <a:t>Készítette: Sánta Vivien</a:t>
+            </a:r>
           </a:p>
           <a:p>
             <a:endParaRPr lang="hu-HU" dirty="0"/>
@@ -13756,36 +13817,60 @@
               <a:buNone/>
             </a:pPr>
             <a:r>
-              <a:rPr lang="hu-HU" sz="2400" dirty="0"/>
+              <a:rPr lang="hu-HU" sz="2400" dirty="0">
+                <a:latin typeface="Bodoni MT" panose="02070603080606020203" pitchFamily="18" charset="0"/>
+              </a:rPr>
               <a:t>Oldal 2: A karácsony története</a:t>
             </a:r>
           </a:p>
           <a:p>
             <a:r>
-              <a:rPr lang="hu-HU" sz="2400" dirty="0"/>
+              <a:rPr lang="hu-HU" sz="2400" dirty="0">
+                <a:latin typeface="Bodoni MT" panose="02070603080606020203" pitchFamily="18" charset="0"/>
+              </a:rPr>
               <a:t>Használva lesz: </a:t>
             </a:r>
             <a:r>
-              <a:rPr lang="hu-HU" sz="2400" dirty="0" err="1"/>
+              <a:rPr lang="hu-HU" sz="2400" dirty="0" err="1">
+                <a:latin typeface="Bodoni MT" panose="02070603080606020203" pitchFamily="18" charset="0"/>
+              </a:rPr>
               <a:t>css</a:t>
             </a:r>
             <a:r>
-              <a:rPr lang="hu-HU" sz="2400" dirty="0"/>
+              <a:rPr lang="hu-HU" sz="2400" dirty="0">
+                <a:latin typeface="Bodoni MT" panose="02070603080606020203" pitchFamily="18" charset="0"/>
+              </a:rPr>
               <a:t>, </a:t>
             </a:r>
             <a:r>
-              <a:rPr lang="hu-HU" sz="2400" dirty="0" err="1"/>
+              <a:rPr lang="hu-HU" sz="2400" dirty="0" err="1">
+                <a:latin typeface="Bodoni MT" panose="02070603080606020203" pitchFamily="18" charset="0"/>
+              </a:rPr>
               <a:t>html</a:t>
             </a:r>
             <a:r>
-              <a:rPr lang="hu-HU" sz="2400" dirty="0"/>
+              <a:rPr lang="hu-HU" sz="2400" dirty="0">
+                <a:latin typeface="Bodoni MT" panose="02070603080606020203" pitchFamily="18" charset="0"/>
+              </a:rPr>
               <a:t>, </a:t>
             </a:r>
             <a:r>
-              <a:rPr lang="hu-HU" sz="2400" dirty="0" err="1"/>
+              <a:rPr lang="hu-HU" sz="2400" dirty="0" err="1">
+                <a:latin typeface="Bodoni MT" panose="02070603080606020203" pitchFamily="18" charset="0"/>
+              </a:rPr>
               <a:t>bootstrap</a:t>
             </a:r>
-            <a:endParaRPr lang="hu-HU" sz="2400" dirty="0"/>
+            <a:endParaRPr lang="hu-HU" sz="2400" dirty="0">
+              <a:latin typeface="Bodoni MT" panose="02070603080606020203" pitchFamily="18" charset="0"/>
+            </a:endParaRPr>
+          </a:p>
+          <a:p>
+            <a:r>
+              <a:rPr lang="hu-HU" sz="2400" dirty="0">
+                <a:latin typeface="Bodoni MT" panose="02070603080606020203" pitchFamily="18" charset="0"/>
+              </a:rPr>
+              <a:t>Készítette: Grósz Patrik</a:t>
+            </a:r>
           </a:p>
           <a:p>
             <a:endParaRPr lang="hu-HU" dirty="0"/>
@@ -13794,10 +13879,10 @@
       </p:sp>
       <p:pic>
         <p:nvPicPr>
-          <p:cNvPr id="6" name="Tartalom helye 5">
+          <p:cNvPr id="9" name="Tartalom helye 8">
             <a:extLst>
               <a:ext uri="{FF2B5EF4-FFF2-40B4-BE49-F238E27FC236}">
-                <a16:creationId xmlns:a16="http://schemas.microsoft.com/office/drawing/2014/main" id="{5C1C6D46-B1DA-428F-9DAC-5C7641E5C1A6}"/>
+                <a16:creationId xmlns:a16="http://schemas.microsoft.com/office/drawing/2014/main" id="{34684432-3212-7499-A497-755FF289D61B}"/>
               </a:ext>
             </a:extLst>
           </p:cNvPr>
@@ -13822,8 +13907,8 @@
         </p:blipFill>
         <p:spPr>
           <a:xfrm>
-            <a:off x="6209458" y="3089956"/>
-            <a:ext cx="4824412" cy="2713731"/>
+            <a:off x="6209458" y="2738672"/>
+            <a:ext cx="4824412" cy="2710716"/>
           </a:xfrm>
         </p:spPr>
       </p:pic>
@@ -13889,36 +13974,60 @@
               <a:buNone/>
             </a:pPr>
             <a:r>
-              <a:rPr lang="hu-HU" sz="2400" dirty="0"/>
+              <a:rPr lang="hu-HU" sz="2400" dirty="0">
+                <a:latin typeface="Bodoni MT" panose="02070603080606020203" pitchFamily="18" charset="0"/>
+              </a:rPr>
               <a:t>Oldal 3: Receptek</a:t>
             </a:r>
           </a:p>
           <a:p>
             <a:r>
-              <a:rPr lang="hu-HU" sz="2400" dirty="0"/>
+              <a:rPr lang="hu-HU" sz="2400" dirty="0">
+                <a:latin typeface="Bodoni MT" panose="02070603080606020203" pitchFamily="18" charset="0"/>
+              </a:rPr>
               <a:t>Használva lesz: </a:t>
             </a:r>
             <a:r>
-              <a:rPr lang="hu-HU" sz="2400" dirty="0" err="1"/>
+              <a:rPr lang="hu-HU" sz="2400" dirty="0" err="1">
+                <a:latin typeface="Bodoni MT" panose="02070603080606020203" pitchFamily="18" charset="0"/>
+              </a:rPr>
               <a:t>css</a:t>
             </a:r>
             <a:r>
-              <a:rPr lang="hu-HU" sz="2400" dirty="0"/>
+              <a:rPr lang="hu-HU" sz="2400" dirty="0">
+                <a:latin typeface="Bodoni MT" panose="02070603080606020203" pitchFamily="18" charset="0"/>
+              </a:rPr>
               <a:t>, </a:t>
             </a:r>
             <a:r>
-              <a:rPr lang="hu-HU" sz="2400" dirty="0" err="1"/>
+              <a:rPr lang="hu-HU" sz="2400" dirty="0" err="1">
+                <a:latin typeface="Bodoni MT" panose="02070603080606020203" pitchFamily="18" charset="0"/>
+              </a:rPr>
               <a:t>html</a:t>
             </a:r>
             <a:r>
-              <a:rPr lang="hu-HU" sz="2400" dirty="0"/>
+              <a:rPr lang="hu-HU" sz="2400" dirty="0">
+                <a:latin typeface="Bodoni MT" panose="02070603080606020203" pitchFamily="18" charset="0"/>
+              </a:rPr>
               <a:t>, </a:t>
             </a:r>
             <a:r>
-              <a:rPr lang="hu-HU" sz="2400" dirty="0" err="1"/>
+              <a:rPr lang="hu-HU" sz="2400" dirty="0" err="1">
+                <a:latin typeface="Bodoni MT" panose="02070603080606020203" pitchFamily="18" charset="0"/>
+              </a:rPr>
               <a:t>bootstrap</a:t>
             </a:r>
-            <a:endParaRPr lang="hu-HU" sz="2400" dirty="0"/>
+            <a:endParaRPr lang="hu-HU" sz="2400" dirty="0">
+              <a:latin typeface="Bodoni MT" panose="02070603080606020203" pitchFamily="18" charset="0"/>
+            </a:endParaRPr>
+          </a:p>
+          <a:p>
+            <a:r>
+              <a:rPr lang="hu-HU" sz="2400" dirty="0">
+                <a:latin typeface="Bodoni MT" panose="02070603080606020203" pitchFamily="18" charset="0"/>
+              </a:rPr>
+              <a:t>Készítette: Császár Róbert</a:t>
+            </a:r>
           </a:p>
         </p:txBody>
       </p:sp>
@@ -13975,6 +14084,158 @@
   <p:cSld>
     <p:spTree>
       <p:nvGrpSpPr>
+        <p:cNvPr id="1" name="">
+          <a:extLst>
+            <a:ext uri="{FF2B5EF4-FFF2-40B4-BE49-F238E27FC236}">
+              <a16:creationId xmlns:a16="http://schemas.microsoft.com/office/drawing/2014/main" id="{961F06F4-72E3-8054-07F3-40C68A5FB166}"/>
+            </a:ext>
+          </a:extLst>
+        </p:cNvPr>
+        <p:cNvGrpSpPr/>
+        <p:nvPr/>
+      </p:nvGrpSpPr>
+      <p:grpSpPr>
+        <a:xfrm>
+          <a:off x="0" y="0"/>
+          <a:ext cx="0" cy="0"/>
+          <a:chOff x="0" y="0"/>
+          <a:chExt cx="0" cy="0"/>
+        </a:xfrm>
+      </p:grpSpPr>
+      <p:sp>
+        <p:nvSpPr>
+          <p:cNvPr id="3" name="Tartalom helye 2">
+            <a:extLst>
+              <a:ext uri="{FF2B5EF4-FFF2-40B4-BE49-F238E27FC236}">
+                <a16:creationId xmlns:a16="http://schemas.microsoft.com/office/drawing/2014/main" id="{C293B209-085C-15B3-0FE5-1D73F8FD2F0F}"/>
+              </a:ext>
+            </a:extLst>
+          </p:cNvPr>
+          <p:cNvSpPr>
+            <a:spLocks noGrp="1"/>
+          </p:cNvSpPr>
+          <p:nvPr>
+            <p:ph sz="half" idx="1"/>
+          </p:nvPr>
+        </p:nvSpPr>
+        <p:spPr>
+          <a:xfrm>
+            <a:off x="1158130" y="2746623"/>
+            <a:ext cx="4825158" cy="3416301"/>
+          </a:xfrm>
+        </p:spPr>
+        <p:txBody>
+          <a:bodyPr>
+            <a:normAutofit/>
+          </a:bodyPr>
+          <a:lstStyle/>
+          <a:p>
+            <a:pPr marL="0" indent="0">
+              <a:buNone/>
+            </a:pPr>
+            <a:r>
+              <a:rPr lang="hu-HU" sz="2400" dirty="0">
+                <a:latin typeface="Bodoni MT" panose="02070603080606020203" pitchFamily="18" charset="0"/>
+              </a:rPr>
+              <a:t>Oldal 3: Filmes bónuszok</a:t>
+            </a:r>
+          </a:p>
+          <a:p>
+            <a:r>
+              <a:rPr lang="hu-HU" sz="2400" dirty="0">
+                <a:latin typeface="Bodoni MT" panose="02070603080606020203" pitchFamily="18" charset="0"/>
+              </a:rPr>
+              <a:t>Használva lesz: </a:t>
+            </a:r>
+            <a:r>
+              <a:rPr lang="hu-HU" sz="2400" dirty="0" err="1">
+                <a:latin typeface="Bodoni MT" panose="02070603080606020203" pitchFamily="18" charset="0"/>
+              </a:rPr>
+              <a:t>css</a:t>
+            </a:r>
+            <a:r>
+              <a:rPr lang="hu-HU" sz="2400" dirty="0">
+                <a:latin typeface="Bodoni MT" panose="02070603080606020203" pitchFamily="18" charset="0"/>
+              </a:rPr>
+              <a:t>, </a:t>
+            </a:r>
+            <a:r>
+              <a:rPr lang="hu-HU" sz="2400" dirty="0" err="1">
+                <a:latin typeface="Bodoni MT" panose="02070603080606020203" pitchFamily="18" charset="0"/>
+              </a:rPr>
+              <a:t>html</a:t>
+            </a:r>
+            <a:r>
+              <a:rPr lang="hu-HU" sz="2400" dirty="0">
+                <a:latin typeface="Bodoni MT" panose="02070603080606020203" pitchFamily="18" charset="0"/>
+              </a:rPr>
+              <a:t>, </a:t>
+            </a:r>
+            <a:r>
+              <a:rPr lang="hu-HU" sz="2400" dirty="0" err="1">
+                <a:latin typeface="Bodoni MT" panose="02070603080606020203" pitchFamily="18" charset="0"/>
+              </a:rPr>
+              <a:t>bootstrap</a:t>
+            </a:r>
+            <a:endParaRPr lang="hu-HU" sz="2400" dirty="0">
+              <a:latin typeface="Bodoni MT" panose="02070603080606020203" pitchFamily="18" charset="0"/>
+            </a:endParaRPr>
+          </a:p>
+        </p:txBody>
+      </p:sp>
+      <p:pic>
+        <p:nvPicPr>
+          <p:cNvPr id="7" name="Tartalom helye 6">
+            <a:extLst>
+              <a:ext uri="{FF2B5EF4-FFF2-40B4-BE49-F238E27FC236}">
+                <a16:creationId xmlns:a16="http://schemas.microsoft.com/office/drawing/2014/main" id="{DAB9C692-0B18-60B2-02E2-0E0FCAB39D04}"/>
+              </a:ext>
+            </a:extLst>
+          </p:cNvPr>
+          <p:cNvPicPr>
+            <a:picLocks noGrp="1" noChangeAspect="1"/>
+          </p:cNvPicPr>
+          <p:nvPr>
+            <p:ph sz="half" idx="2"/>
+          </p:nvPr>
+        </p:nvPicPr>
+        <p:blipFill>
+          <a:blip r:embed="rId2">
+            <a:extLst>
+              <a:ext uri="{28A0092B-C50C-407E-A947-70E740481C1C}">
+                <a14:useLocalDpi xmlns:a14="http://schemas.microsoft.com/office/drawing/2010/main" val="0"/>
+              </a:ext>
+            </a:extLst>
+          </a:blip>
+          <a:stretch>
+            <a:fillRect/>
+          </a:stretch>
+        </p:blipFill>
+        <p:spPr>
+          <a:xfrm>
+            <a:off x="6402676" y="2831730"/>
+            <a:ext cx="4824412" cy="3015257"/>
+          </a:xfrm>
+        </p:spPr>
+      </p:pic>
+    </p:spTree>
+    <p:extLst>
+      <p:ext uri="{BB962C8B-B14F-4D97-AF65-F5344CB8AC3E}">
+        <p14:creationId xmlns:p14="http://schemas.microsoft.com/office/powerpoint/2010/main" val="515367043"/>
+      </p:ext>
+    </p:extLst>
+  </p:cSld>
+  <p:clrMapOvr>
+    <a:masterClrMapping/>
+  </p:clrMapOvr>
+</p:sld>
+</file>
+
+<file path=ppt/slides/slide7.xml><?xml version="1.0" encoding="utf-8"?>
+<p:sld xmlns:a="http://schemas.openxmlformats.org/drawingml/2006/main" xmlns:r="http://schemas.openxmlformats.org/officeDocument/2006/relationships" xmlns:p="http://schemas.openxmlformats.org/presentationml/2006/main">
+  <p:cSld>
+    <p:spTree>
+      <p:nvGrpSpPr>
         <p:cNvPr id="1" name=""/>
         <p:cNvGrpSpPr/>
         <p:nvPr/>
@@ -14006,7 +14267,7 @@
         <p:spPr/>
         <p:txBody>
           <a:bodyPr>
-            <a:normAutofit fontScale="92500" lnSpcReduction="10000"/>
+            <a:normAutofit/>
           </a:bodyPr>
           <a:lstStyle/>
           <a:p>
@@ -14014,49 +14275,69 @@
               <a:buNone/>
             </a:pPr>
             <a:r>
-              <a:rPr lang="hu-HU" sz="2400" dirty="0"/>
+              <a:rPr lang="hu-HU" sz="2400" dirty="0">
+                <a:latin typeface="Bodoni MT" panose="02070603080606020203" pitchFamily="18" charset="0"/>
+              </a:rPr>
               <a:t>A munka felosztása és időtartama:</a:t>
             </a:r>
           </a:p>
           <a:p>
             <a:r>
-              <a:rPr lang="hu-HU" sz="2400" dirty="0"/>
+              <a:rPr lang="hu-HU" sz="2400" dirty="0">
+                <a:latin typeface="Bodoni MT" panose="02070603080606020203" pitchFamily="18" charset="0"/>
+              </a:rPr>
               <a:t>A munka megkezdése előtt mindent átbeszéltünk és közös egyetértésre jutottunk.</a:t>
             </a:r>
           </a:p>
           <a:p>
             <a:r>
-              <a:rPr lang="hu-HU" sz="2400" dirty="0"/>
+              <a:rPr lang="hu-HU" sz="2400" dirty="0">
+                <a:latin typeface="Bodoni MT" panose="02070603080606020203" pitchFamily="18" charset="0"/>
+              </a:rPr>
               <a:t>A honlap minden oldalához mindenki hozzá tett valamit.</a:t>
             </a:r>
           </a:p>
           <a:p>
             <a:r>
-              <a:rPr lang="hu-HU" sz="2400" dirty="0"/>
+              <a:rPr lang="hu-HU" sz="2400" dirty="0">
+                <a:latin typeface="Bodoni MT" panose="02070603080606020203" pitchFamily="18" charset="0"/>
+              </a:rPr>
               <a:t>Minden oldalhoz lett használva </a:t>
             </a:r>
             <a:r>
-              <a:rPr lang="hu-HU" sz="2400" dirty="0" err="1"/>
+              <a:rPr lang="hu-HU" sz="2400" dirty="0" err="1">
+                <a:latin typeface="Bodoni MT" panose="02070603080606020203" pitchFamily="18" charset="0"/>
+              </a:rPr>
               <a:t>html</a:t>
             </a:r>
             <a:r>
-              <a:rPr lang="hu-HU" sz="2400" dirty="0"/>
+              <a:rPr lang="hu-HU" sz="2400" dirty="0">
+                <a:latin typeface="Bodoni MT" panose="02070603080606020203" pitchFamily="18" charset="0"/>
+              </a:rPr>
               <a:t>, </a:t>
             </a:r>
             <a:r>
-              <a:rPr lang="hu-HU" sz="2400" dirty="0" err="1"/>
+              <a:rPr lang="hu-HU" sz="2400" dirty="0" err="1">
+                <a:latin typeface="Bodoni MT" panose="02070603080606020203" pitchFamily="18" charset="0"/>
+              </a:rPr>
               <a:t>css</a:t>
             </a:r>
             <a:r>
-              <a:rPr lang="hu-HU" sz="2400" dirty="0"/>
+              <a:rPr lang="hu-HU" sz="2400" dirty="0">
+                <a:latin typeface="Bodoni MT" panose="02070603080606020203" pitchFamily="18" charset="0"/>
+              </a:rPr>
               <a:t> és </a:t>
             </a:r>
             <a:r>
-              <a:rPr lang="hu-HU" sz="2400" dirty="0" err="1"/>
+              <a:rPr lang="hu-HU" sz="2400" dirty="0" err="1">
+                <a:latin typeface="Bodoni MT" panose="02070603080606020203" pitchFamily="18" charset="0"/>
+              </a:rPr>
               <a:t>bootstrap</a:t>
             </a:r>
             <a:r>
-              <a:rPr lang="hu-HU" sz="2400" dirty="0"/>
+              <a:rPr lang="hu-HU" sz="2400" dirty="0">
+                <a:latin typeface="Bodoni MT" panose="02070603080606020203" pitchFamily="18" charset="0"/>
+              </a:rPr>
               <a:t>.</a:t>
             </a:r>
           </a:p>
@@ -14084,18 +14365,22 @@
         <p:spPr/>
         <p:txBody>
           <a:bodyPr>
-            <a:normAutofit fontScale="92500" lnSpcReduction="10000"/>
+            <a:normAutofit/>
           </a:bodyPr>
           <a:lstStyle/>
           <a:p>
             <a:r>
-              <a:rPr lang="hu-HU" sz="2400" dirty="0"/>
+              <a:rPr lang="hu-HU" sz="2400" dirty="0">
+                <a:latin typeface="Bodoni MT" panose="02070603080606020203" pitchFamily="18" charset="0"/>
+              </a:rPr>
               <a:t>A projekten 2024.12.05-én kezdtünk el dolgozni.</a:t>
             </a:r>
           </a:p>
           <a:p>
             <a:r>
-              <a:rPr lang="hu-HU" sz="2400" dirty="0"/>
+              <a:rPr lang="hu-HU" sz="2400" dirty="0">
+                <a:latin typeface="Bodoni MT" panose="02070603080606020203" pitchFamily="18" charset="0"/>
+              </a:rPr>
               <a:t>A munka … fejeződött be.</a:t>
             </a:r>
           </a:p>
@@ -14114,7 +14399,7 @@
 </p:sld>
 </file>
 
-<file path=ppt/slides/slide7.xml><?xml version="1.0" encoding="utf-8"?>
+<file path=ppt/slides/slide8.xml><?xml version="1.0" encoding="utf-8"?>
 <p:sld xmlns:a="http://schemas.openxmlformats.org/drawingml/2006/main" xmlns:r="http://schemas.openxmlformats.org/officeDocument/2006/relationships" xmlns:p="http://schemas.openxmlformats.org/presentationml/2006/main">
   <p:cSld>
     <p:spTree>
@@ -14156,7 +14441,9 @@
               <a:buNone/>
             </a:pPr>
             <a:r>
-              <a:rPr lang="hu-HU" sz="2400" dirty="0"/>
+              <a:rPr lang="hu-HU" sz="2400" dirty="0">
+                <a:latin typeface="Bodoni MT" panose="02070603080606020203" pitchFamily="18" charset="0"/>
+              </a:rPr>
               <a:t>Tanulság:</a:t>
             </a:r>
           </a:p>
@@ -14190,7 +14477,9 @@
               <a:buNone/>
             </a:pPr>
             <a:r>
-              <a:rPr lang="hu-HU" sz="2400" dirty="0"/>
+              <a:rPr lang="hu-HU" sz="2400" dirty="0">
+                <a:latin typeface="Bodoni MT" panose="02070603080606020203" pitchFamily="18" charset="0"/>
+              </a:rPr>
               <a:t>Jövőbeli tervek:</a:t>
             </a:r>
           </a:p>
@@ -14203,6 +14492,72 @@
     <p:extLst>
       <p:ext uri="{BB962C8B-B14F-4D97-AF65-F5344CB8AC3E}">
         <p14:creationId xmlns:p14="http://schemas.microsoft.com/office/powerpoint/2010/main" val="489048848"/>
+      </p:ext>
+    </p:extLst>
+  </p:cSld>
+  <p:clrMapOvr>
+    <a:masterClrMapping/>
+  </p:clrMapOvr>
+</p:sld>
+</file>
+
+<file path=ppt/slides/slide9.xml><?xml version="1.0" encoding="utf-8"?>
+<p:sld xmlns:a="http://schemas.openxmlformats.org/drawingml/2006/main" xmlns:r="http://schemas.openxmlformats.org/officeDocument/2006/relationships" xmlns:p="http://schemas.openxmlformats.org/presentationml/2006/main">
+  <p:cSld>
+    <p:spTree>
+      <p:nvGrpSpPr>
+        <p:cNvPr id="1" name=""/>
+        <p:cNvGrpSpPr/>
+        <p:nvPr/>
+      </p:nvGrpSpPr>
+      <p:grpSpPr>
+        <a:xfrm>
+          <a:off x="0" y="0"/>
+          <a:ext cx="0" cy="0"/>
+          <a:chOff x="0" y="0"/>
+          <a:chExt cx="0" cy="0"/>
+        </a:xfrm>
+      </p:grpSpPr>
+      <p:sp>
+        <p:nvSpPr>
+          <p:cNvPr id="2" name="Cím 1">
+            <a:extLst>
+              <a:ext uri="{FF2B5EF4-FFF2-40B4-BE49-F238E27FC236}">
+                <a16:creationId xmlns:a16="http://schemas.microsoft.com/office/drawing/2014/main" id="{933FE2E0-B3F0-0D2B-E410-11F4E36F869E}"/>
+              </a:ext>
+            </a:extLst>
+          </p:cNvPr>
+          <p:cNvSpPr>
+            <a:spLocks noGrp="1"/>
+          </p:cNvSpPr>
+          <p:nvPr>
+            <p:ph type="ctrTitle"/>
+          </p:nvPr>
+        </p:nvSpPr>
+        <p:spPr>
+          <a:xfrm>
+            <a:off x="1683171" y="2090176"/>
+            <a:ext cx="8825658" cy="2677648"/>
+          </a:xfrm>
+        </p:spPr>
+        <p:txBody>
+          <a:bodyPr anchor="ctr"/>
+          <a:lstStyle/>
+          <a:p>
+            <a:pPr algn="ctr"/>
+            <a:r>
+              <a:rPr lang="hu-HU" dirty="0">
+                <a:latin typeface="Bernard MT Condensed" panose="02050806060905020404" pitchFamily="18" charset="0"/>
+              </a:rPr>
+              <a:t>Köszönjük a figyelmet!</a:t>
+            </a:r>
+          </a:p>
+        </p:txBody>
+      </p:sp>
+    </p:spTree>
+    <p:extLst>
+      <p:ext uri="{BB962C8B-B14F-4D97-AF65-F5344CB8AC3E}">
+        <p14:creationId xmlns:p14="http://schemas.microsoft.com/office/powerpoint/2010/main" val="86067876"/>
       </p:ext>
     </p:extLst>
   </p:cSld>
